--- a/spring12/slidesS12/Zmodn.pptx
+++ b/spring12/slidesS12/Zmodn.pptx
@@ -7624,7 +7624,7 @@
           <a:graphicData uri="http://schemas.openxmlformats.org/presentationml/2006/ole">
             <mc:AlternateContent xmlns:mc="http://schemas.openxmlformats.org/markup-compatibility/2006">
               <mc:Choice xmlns:v="urn:schemas-microsoft-com:vml" Requires="v">
-                <p:oleObj spid="_x0000_s1025" name="Equation" r:id="rId4" imgW="126720" imgH="190440" progId="Equation.DSMT4">
+                <p:oleObj spid="_x0000_s1027" name="Equation" r:id="rId4" imgW="126720" imgH="190440" progId="Equation.DSMT4">
                   <p:embed/>
                 </p:oleObj>
               </mc:Choice>
@@ -7725,7 +7725,7 @@
           <a:graphicData uri="http://schemas.openxmlformats.org/presentationml/2006/ole">
             <mc:AlternateContent xmlns:mc="http://schemas.openxmlformats.org/markup-compatibility/2006">
               <mc:Choice xmlns:v="urn:schemas-microsoft-com:vml" Requires="v">
-                <p:oleObj spid="_x0000_s1026" name="Equation" r:id="rId6" imgW="2044700" imgH="647700" progId="Equation.3">
+                <p:oleObj spid="_x0000_s1028" name="Equation" r:id="rId6" imgW="2044700" imgH="647700" progId="Equation.3">
                   <p:embed/>
                 </p:oleObj>
               </mc:Choice>
@@ -7979,7 +7979,7 @@
           <a:graphicData uri="http://schemas.openxmlformats.org/presentationml/2006/ole">
             <mc:AlternateContent xmlns:mc="http://schemas.openxmlformats.org/markup-compatibility/2006">
               <mc:Choice xmlns:v="urn:schemas-microsoft-com:vml" Requires="v">
-                <p:oleObj spid="_x0000_s2049" name="Equation" r:id="rId4" imgW="126720" imgH="190440" progId="Equation.DSMT4">
+                <p:oleObj spid="_x0000_s2051" name="Equation" r:id="rId4" imgW="126720" imgH="190440" progId="Equation.DSMT4">
                   <p:embed/>
                 </p:oleObj>
               </mc:Choice>
@@ -8049,7 +8049,7 @@
           <a:graphicData uri="http://schemas.openxmlformats.org/presentationml/2006/ole">
             <mc:AlternateContent xmlns:mc="http://schemas.openxmlformats.org/markup-compatibility/2006">
               <mc:Choice xmlns:v="urn:schemas-microsoft-com:vml" Requires="v">
-                <p:oleObj spid="_x0000_s2050" name="Equation" r:id="rId6" imgW="2044700" imgH="812800" progId="Equation.3">
+                <p:oleObj spid="_x0000_s2052" name="Equation" r:id="rId6" imgW="2044700" imgH="812800" progId="Equation.3">
                   <p:embed/>
                 </p:oleObj>
               </mc:Choice>
@@ -8152,7 +8152,7 @@
           <a:graphicData uri="http://schemas.openxmlformats.org/presentationml/2006/ole">
             <mc:AlternateContent xmlns:mc="http://schemas.openxmlformats.org/markup-compatibility/2006">
               <mc:Choice xmlns:v="urn:schemas-microsoft-com:vml" Requires="v">
-                <p:oleObj spid="_x0000_s3073" name="Equation" r:id="rId4" imgW="2031840" imgH="736560" progId="Equation.DSMT4">
+                <p:oleObj spid="_x0000_s3075" name="Equation" r:id="rId4" imgW="2031840" imgH="736560" progId="Equation.DSMT4">
                   <p:embed/>
                 </p:oleObj>
               </mc:Choice>
@@ -8280,7 +8280,7 @@
           <a:graphicData uri="http://schemas.openxmlformats.org/presentationml/2006/ole">
             <mc:AlternateContent xmlns:mc="http://schemas.openxmlformats.org/markup-compatibility/2006">
               <mc:Choice xmlns:v="urn:schemas-microsoft-com:vml" Requires="v">
-                <p:oleObj spid="_x0000_s3074" name="Equation" r:id="rId6" imgW="126720" imgH="190440" progId="Equation.3">
+                <p:oleObj spid="_x0000_s3076" name="Equation" r:id="rId6" imgW="126720" imgH="190440" progId="Equation.3">
                   <p:embed/>
                 </p:oleObj>
               </mc:Choice>
@@ -8702,7 +8702,7 @@
           <a:graphicData uri="http://schemas.openxmlformats.org/presentationml/2006/ole">
             <mc:AlternateContent xmlns:mc="http://schemas.openxmlformats.org/markup-compatibility/2006">
               <mc:Choice xmlns:v="urn:schemas-microsoft-com:vml" Requires="v">
-                <p:oleObj spid="_x0000_s4097" name="Equation" r:id="rId4" imgW="126720" imgH="190440" progId="Equation.DSMT4">
+                <p:oleObj spid="_x0000_s4100" name="Equation" r:id="rId4" imgW="126720" imgH="190440" progId="Equation.DSMT4">
                   <p:embed/>
                 </p:oleObj>
               </mc:Choice>
@@ -8772,7 +8772,7 @@
           <a:graphicData uri="http://schemas.openxmlformats.org/presentationml/2006/ole">
             <mc:AlternateContent xmlns:mc="http://schemas.openxmlformats.org/markup-compatibility/2006">
               <mc:Choice xmlns:v="urn:schemas-microsoft-com:vml" Requires="v">
-                <p:oleObj spid="_x0000_s4098" name="Equation" r:id="rId6" imgW="393480" imgH="342720" progId="Equation.DSMT4">
+                <p:oleObj spid="_x0000_s4101" name="Equation" r:id="rId6" imgW="393480" imgH="342720" progId="Equation.DSMT4">
                   <p:embed/>
                 </p:oleObj>
               </mc:Choice>
@@ -8842,7 +8842,7 @@
           <a:graphicData uri="http://schemas.openxmlformats.org/presentationml/2006/ole">
             <mc:AlternateContent xmlns:mc="http://schemas.openxmlformats.org/markup-compatibility/2006">
               <mc:Choice xmlns:v="urn:schemas-microsoft-com:vml" Requires="v">
-                <p:oleObj spid="_x0000_s4099" name="Equation" r:id="rId8" imgW="1917360" imgH="711000" progId="Equation.3">
+                <p:oleObj spid="_x0000_s4102" name="Equation" r:id="rId8" imgW="1917360" imgH="711000" progId="Equation.3">
                   <p:embed/>
                 </p:oleObj>
               </mc:Choice>
